--- a/2017 NASA Hackathon Taiwan - NCTUBeach.pptx
+++ b/2017 NASA Hackathon Taiwan - NCTUBeach.pptx
@@ -1833,12 +1833,12 @@
   </dgm:ptLst>
   <dgm:cxnLst>
     <dgm:cxn modelId="{FCD392DD-29CF-4A40-978E-A41013027200}" type="presOf" srcId="{9DD43083-580F-445C-BC93-532E73AC57AF}" destId="{0590D157-CB77-4546-9EF6-F724344C896C}" srcOrd="0" destOrd="0" presId="urn:microsoft.com/office/officeart/2005/8/layout/chevron1"/>
-    <dgm:cxn modelId="{9D227338-827E-4C9B-93F2-E1B0A13FD6EB}" srcId="{CF634E3A-B06B-4A05-AE0A-F4240DB5709F}" destId="{510D6EDF-8750-41D1-BB30-57B525A4129C}" srcOrd="0" destOrd="0" parTransId="{8B3AF8AF-080F-4E64-AB94-7A8BC416246E}" sibTransId="{A1AD7899-45EB-4CCF-8731-642ED7287E15}"/>
-    <dgm:cxn modelId="{C1C136D5-F1D1-4D01-A099-62782B31DB43}" srcId="{CF634E3A-B06B-4A05-AE0A-F4240DB5709F}" destId="{9DD43083-580F-445C-BC93-532E73AC57AF}" srcOrd="2" destOrd="0" parTransId="{B9D12FEF-F691-4FF7-903A-1424C0E58975}" sibTransId="{8EFD6422-C08C-495F-97CE-C6271A39D625}"/>
     <dgm:cxn modelId="{60841A86-B777-4D57-9660-DA4B663C5D4E}" type="presOf" srcId="{CF634E3A-B06B-4A05-AE0A-F4240DB5709F}" destId="{9B1C8634-18BB-4718-A486-245BE9ADB36C}" srcOrd="0" destOrd="0" presId="urn:microsoft.com/office/officeart/2005/8/layout/chevron1"/>
     <dgm:cxn modelId="{C4427817-AF75-494F-8E76-5D4900A30594}" srcId="{CF634E3A-B06B-4A05-AE0A-F4240DB5709F}" destId="{C046DABD-DAFC-4465-919B-1F0F9DF325EE}" srcOrd="1" destOrd="0" parTransId="{82DC610E-BB31-4570-AA10-84FF8362618F}" sibTransId="{6459A357-0820-4245-87E2-4C28FCD840D2}"/>
     <dgm:cxn modelId="{5B3FC98C-1037-4F87-B184-3AB31C55A562}" type="presOf" srcId="{510D6EDF-8750-41D1-BB30-57B525A4129C}" destId="{0C3B089E-89BD-480B-849F-53E1AC164D7F}" srcOrd="0" destOrd="0" presId="urn:microsoft.com/office/officeart/2005/8/layout/chevron1"/>
     <dgm:cxn modelId="{290E2423-DB6A-4650-A831-D0C217D333AA}" type="presOf" srcId="{C046DABD-DAFC-4465-919B-1F0F9DF325EE}" destId="{1889987B-AB78-448B-947E-0616FE2B823A}" srcOrd="0" destOrd="0" presId="urn:microsoft.com/office/officeart/2005/8/layout/chevron1"/>
+    <dgm:cxn modelId="{C1C136D5-F1D1-4D01-A099-62782B31DB43}" srcId="{CF634E3A-B06B-4A05-AE0A-F4240DB5709F}" destId="{9DD43083-580F-445C-BC93-532E73AC57AF}" srcOrd="2" destOrd="0" parTransId="{B9D12FEF-F691-4FF7-903A-1424C0E58975}" sibTransId="{8EFD6422-C08C-495F-97CE-C6271A39D625}"/>
+    <dgm:cxn modelId="{9D227338-827E-4C9B-93F2-E1B0A13FD6EB}" srcId="{CF634E3A-B06B-4A05-AE0A-F4240DB5709F}" destId="{510D6EDF-8750-41D1-BB30-57B525A4129C}" srcOrd="0" destOrd="0" parTransId="{8B3AF8AF-080F-4E64-AB94-7A8BC416246E}" sibTransId="{A1AD7899-45EB-4CCF-8731-642ED7287E15}"/>
     <dgm:cxn modelId="{4D4A7B87-37D9-40DD-AF54-FC0298ACD529}" type="presParOf" srcId="{9B1C8634-18BB-4718-A486-245BE9ADB36C}" destId="{0C3B089E-89BD-480B-849F-53E1AC164D7F}" srcOrd="0" destOrd="0" presId="urn:microsoft.com/office/officeart/2005/8/layout/chevron1"/>
     <dgm:cxn modelId="{BA2ECF59-4E19-4AFC-84FA-3BECDC28E2AF}" type="presParOf" srcId="{9B1C8634-18BB-4718-A486-245BE9ADB36C}" destId="{E2102A82-F1C9-41A4-81AA-D52B2921D147}" srcOrd="1" destOrd="0" presId="urn:microsoft.com/office/officeart/2005/8/layout/chevron1"/>
     <dgm:cxn modelId="{A62B9929-0939-4CA1-A174-9093F618A0D1}" type="presParOf" srcId="{9B1C8634-18BB-4718-A486-245BE9ADB36C}" destId="{1889987B-AB78-448B-947E-0616FE2B823A}" srcOrd="2" destOrd="0" presId="urn:microsoft.com/office/officeart/2005/8/layout/chevron1"/>
@@ -2044,13 +2044,13 @@
     </dgm:pt>
   </dgm:ptLst>
   <dgm:cxnLst>
-    <dgm:cxn modelId="{C1C11B53-34CB-480B-B0FE-D1E480F60D6B}" type="presOf" srcId="{19C42108-F6DC-4760-91B0-A0AEABC7E44A}" destId="{B22D3C7A-B945-46E2-9F38-F19628FA4C06}" srcOrd="0" destOrd="0" presId="urn:microsoft.com/office/officeart/2005/8/layout/chevron1"/>
-    <dgm:cxn modelId="{DE79D795-530C-423B-877D-225AAD4E0DB1}" type="presOf" srcId="{7B11CB5B-EDC6-4A06-AD53-996B1D5CFFC9}" destId="{290D8D30-6885-424F-B9D0-7D3A826EFC0B}" srcOrd="0" destOrd="0" presId="urn:microsoft.com/office/officeart/2005/8/layout/chevron1"/>
     <dgm:cxn modelId="{60841A86-B777-4D57-9660-DA4B663C5D4E}" type="presOf" srcId="{CF634E3A-B06B-4A05-AE0A-F4240DB5709F}" destId="{9B1C8634-18BB-4718-A486-245BE9ADB36C}" srcOrd="0" destOrd="0" presId="urn:microsoft.com/office/officeart/2005/8/layout/chevron1"/>
-    <dgm:cxn modelId="{0A2C574B-72F2-48D6-88B3-9EB6278769A6}" type="presOf" srcId="{88B6A0E3-35E6-40EB-AE90-D42826AC3B02}" destId="{47D5FFF6-D409-4E37-8BF2-3A67A8E0EDC2}" srcOrd="0" destOrd="0" presId="urn:microsoft.com/office/officeart/2005/8/layout/chevron1"/>
-    <dgm:cxn modelId="{0DF40111-ECEC-43CE-98D6-55BAD51DACA9}" srcId="{CF634E3A-B06B-4A05-AE0A-F4240DB5709F}" destId="{88B6A0E3-35E6-40EB-AE90-D42826AC3B02}" srcOrd="1" destOrd="0" parTransId="{02C7EFF5-FD8C-4B11-8CA2-2554BD4481F0}" sibTransId="{F1880438-E502-4821-AE98-A1C27767F1B9}"/>
     <dgm:cxn modelId="{02947689-A63C-4A02-A8C1-D1472EAC9973}" srcId="{CF634E3A-B06B-4A05-AE0A-F4240DB5709F}" destId="{19C42108-F6DC-4760-91B0-A0AEABC7E44A}" srcOrd="0" destOrd="0" parTransId="{3792380D-979F-4212-B15E-3817BA882EF6}" sibTransId="{DD86F1A6-1D89-49FA-A117-20AB70EA9363}"/>
     <dgm:cxn modelId="{B9DCB7DF-E098-4E85-BB72-49DEBE180FA6}" srcId="{CF634E3A-B06B-4A05-AE0A-F4240DB5709F}" destId="{7B11CB5B-EDC6-4A06-AD53-996B1D5CFFC9}" srcOrd="2" destOrd="0" parTransId="{E744FC6C-5A1A-4785-A867-FB748DC400A2}" sibTransId="{9E1DEA07-604E-4E6D-8D1D-BF46B51A2402}"/>
+    <dgm:cxn modelId="{0A2C574B-72F2-48D6-88B3-9EB6278769A6}" type="presOf" srcId="{88B6A0E3-35E6-40EB-AE90-D42826AC3B02}" destId="{47D5FFF6-D409-4E37-8BF2-3A67A8E0EDC2}" srcOrd="0" destOrd="0" presId="urn:microsoft.com/office/officeart/2005/8/layout/chevron1"/>
+    <dgm:cxn modelId="{DE79D795-530C-423B-877D-225AAD4E0DB1}" type="presOf" srcId="{7B11CB5B-EDC6-4A06-AD53-996B1D5CFFC9}" destId="{290D8D30-6885-424F-B9D0-7D3A826EFC0B}" srcOrd="0" destOrd="0" presId="urn:microsoft.com/office/officeart/2005/8/layout/chevron1"/>
+    <dgm:cxn modelId="{C1C11B53-34CB-480B-B0FE-D1E480F60D6B}" type="presOf" srcId="{19C42108-F6DC-4760-91B0-A0AEABC7E44A}" destId="{B22D3C7A-B945-46E2-9F38-F19628FA4C06}" srcOrd="0" destOrd="0" presId="urn:microsoft.com/office/officeart/2005/8/layout/chevron1"/>
+    <dgm:cxn modelId="{0DF40111-ECEC-43CE-98D6-55BAD51DACA9}" srcId="{CF634E3A-B06B-4A05-AE0A-F4240DB5709F}" destId="{88B6A0E3-35E6-40EB-AE90-D42826AC3B02}" srcOrd="1" destOrd="0" parTransId="{02C7EFF5-FD8C-4B11-8CA2-2554BD4481F0}" sibTransId="{F1880438-E502-4821-AE98-A1C27767F1B9}"/>
     <dgm:cxn modelId="{DE618697-FE58-47AD-9DF7-1E15BF4BAB86}" type="presParOf" srcId="{9B1C8634-18BB-4718-A486-245BE9ADB36C}" destId="{B22D3C7A-B945-46E2-9F38-F19628FA4C06}" srcOrd="0" destOrd="0" presId="urn:microsoft.com/office/officeart/2005/8/layout/chevron1"/>
     <dgm:cxn modelId="{A82FA149-1947-41C1-97D5-792CEDBB6808}" type="presParOf" srcId="{9B1C8634-18BB-4718-A486-245BE9ADB36C}" destId="{C5FCF20E-10DB-44E3-8DD9-BD3FB84CC288}" srcOrd="1" destOrd="0" presId="urn:microsoft.com/office/officeart/2005/8/layout/chevron1"/>
     <dgm:cxn modelId="{67B1FC22-5DFF-4270-A449-F86EBA36A886}" type="presParOf" srcId="{9B1C8634-18BB-4718-A486-245BE9ADB36C}" destId="{47D5FFF6-D409-4E37-8BF2-3A67A8E0EDC2}" srcOrd="2" destOrd="0" presId="urn:microsoft.com/office/officeart/2005/8/layout/chevron1"/>
@@ -5741,11 +5741,7 @@
             </a:r>
             <a:r>
               <a:rPr lang="en-US" altLang="zh-TW" dirty="0" smtClean="0"/>
-              <a:t>http://</a:t>
-            </a:r>
-            <a:r>
-              <a:rPr lang="en-US" altLang="zh-TW" dirty="0" smtClean="0"/>
-              <a:t>www.iconarchive.com/show/kameleon.pics-icons-by-webalys/Beach-icon.html</a:t>
+              <a:t>http://www.iconarchive.com/show/kameleon.pics-icons-by-webalys/Beach-icon.html</a:t>
             </a:r>
           </a:p>
           <a:p>
@@ -9325,15 +9321,7 @@
                   <a:schemeClr val="bg1"/>
                 </a:solidFill>
               </a:rPr>
-              <a:t>Games can be added to </a:t>
-            </a:r>
-            <a:r>
-              <a:rPr lang="en-US" altLang="zh-TW" dirty="0" smtClean="0">
-                <a:solidFill>
-                  <a:schemeClr val="bg1"/>
-                </a:solidFill>
-              </a:rPr>
-              <a:t>make informative science knowledge more accessible.</a:t>
+              <a:t>Games can be added to make informative science knowledge more accessible.</a:t>
             </a:r>
           </a:p>
           <a:p>
@@ -9442,11 +9430,11 @@
   <p:clrMapOvr>
     <a:masterClrMapping/>
   </p:clrMapOvr>
-  <mc:AlternateContent xmlns:mc="http://schemas.openxmlformats.org/markup-compatibility/2006">
-    <mc:Choice xmlns:p14="http://schemas.microsoft.com/office/powerpoint/2010/main" Requires="p14">
+  <mc:AlternateContent xmlns:mc="http://schemas.openxmlformats.org/markup-compatibility/2006" xmlns:p14="http://schemas.microsoft.com/office/powerpoint/2010/main">
+    <mc:Choice Requires="p14">
       <p:transition spd="slow" p14:dur="2000"/>
     </mc:Choice>
-    <mc:Fallback>
+    <mc:Fallback xmlns="">
       <p:transition spd="slow"/>
     </mc:Fallback>
   </mc:AlternateContent>
@@ -9720,7 +9708,6 @@
               <a:rPr lang="en-US" altLang="zh-TW" sz="1400" dirty="0" smtClean="0"/>
               <a:t>www.iconarchive.com/show/kameleon.pics-icons-by-webalys/Beach-icon.html</a:t>
             </a:r>
-            <a:endParaRPr lang="en-US" altLang="zh-TW" sz="1400" dirty="0" smtClean="0"/>
           </a:p>
           <a:p>
             <a:r>
@@ -10054,12 +10041,12 @@
           <a:lstStyle/>
           <a:p>
             <a:r>
-              <a:rPr lang="en-US" altLang="zh-TW" sz="4400" dirty="0">
+              <a:rPr lang="en-US" altLang="zh-TW" sz="4400" b="1" dirty="0">
                 <a:latin typeface="Comic Sans MS" panose="030F0702030302020204" pitchFamily="66" charset="0"/>
               </a:rPr>
               <a:t>BACK UP</a:t>
             </a:r>
-            <a:endParaRPr lang="zh-TW" altLang="en-US" sz="4400" dirty="0">
+            <a:endParaRPr lang="zh-TW" altLang="en-US" sz="4400" b="1" dirty="0">
               <a:latin typeface="Comic Sans MS" panose="030F0702030302020204" pitchFamily="66" charset="0"/>
             </a:endParaRPr>
           </a:p>
@@ -11557,14 +11544,7 @@
                 <a:latin typeface="微軟正黑體" panose="020B0604030504040204" pitchFamily="34" charset="-120"/>
                 <a:ea typeface="微軟正黑體" panose="020B0604030504040204" pitchFamily="34" charset="-120"/>
               </a:rPr>
-              <a:t>一起去海邊</a:t>
-            </a:r>
-            <a:r>
-              <a:rPr lang="zh-TW" altLang="en-US" sz="5400" b="1" dirty="0">
-                <a:latin typeface="微軟正黑體" panose="020B0604030504040204" pitchFamily="34" charset="-120"/>
-                <a:ea typeface="微軟正黑體" panose="020B0604030504040204" pitchFamily="34" charset="-120"/>
-              </a:rPr>
-              <a:t>！</a:t>
+              <a:t>一起去海邊！</a:t>
             </a:r>
           </a:p>
         </p:txBody>
@@ -13834,8 +13814,8 @@
         </p:nvSpPr>
         <p:spPr>
           <a:xfrm>
-            <a:off x="628651" y="1803231"/>
-            <a:ext cx="7886700" cy="4486274"/>
+            <a:off x="628651" y="1803230"/>
+            <a:ext cx="7886700" cy="4554027"/>
           </a:xfrm>
         </p:spPr>
         <p:txBody>
@@ -13875,13 +13855,22 @@
               <a:t>systems due to </a:t>
             </a:r>
             <a:r>
+              <a:rPr lang="en-US" altLang="zh-TW" dirty="0">
+                <a:solidFill>
+                  <a:srgbClr val="FF0000"/>
+                </a:solidFill>
+                <a:cs typeface="Times New Roman" panose="02020603050405020304" pitchFamily="18" charset="0"/>
+              </a:rPr>
+              <a:t>damage </a:t>
+            </a:r>
+            <a:r>
               <a:rPr lang="en-US" altLang="zh-TW" dirty="0" smtClean="0">
                 <a:solidFill>
                   <a:srgbClr val="FF0000"/>
                 </a:solidFill>
                 <a:cs typeface="Times New Roman" panose="02020603050405020304" pitchFamily="18" charset="0"/>
               </a:rPr>
-              <a:t>UV damage</a:t>
+              <a:t>of UV radiation</a:t>
             </a:r>
             <a:r>
               <a:rPr lang="en-US" altLang="zh-TW" dirty="0" smtClean="0">
@@ -13974,15 +13963,11 @@
             </a:r>
             <a:r>
               <a:rPr lang="en-US" altLang="zh-TW" dirty="0" smtClean="0"/>
-              <a:t>accident of above </a:t>
+              <a:t>accidents </a:t>
             </a:r>
             <a:r>
               <a:rPr lang="en-US" altLang="zh-TW" dirty="0" smtClean="0"/>
-              <a:t>two cause</a:t>
-            </a:r>
-            <a:r>
-              <a:rPr lang="en-US" altLang="zh-TW" dirty="0" smtClean="0"/>
-              <a:t>s </a:t>
+              <a:t>of above two causes </a:t>
             </a:r>
             <a:r>
               <a:rPr lang="en-US" altLang="zh-TW" dirty="0"/>
@@ -14020,7 +14005,6 @@
               <a:rPr lang="en-US" altLang="zh-TW" dirty="0" smtClean="0"/>
               <a:t>.</a:t>
             </a:r>
-            <a:endParaRPr lang="en-US" altLang="zh-TW" dirty="0" smtClean="0"/>
           </a:p>
         </p:txBody>
       </p:sp>
@@ -14569,27 +14553,7 @@
                 <a:latin typeface="Times New Roman" panose="02020603050405020304" pitchFamily="18" charset="0"/>
                 <a:cs typeface="Times New Roman" panose="02020603050405020304" pitchFamily="18" charset="0"/>
               </a:rPr>
-              <a:t>Tide about </a:t>
-            </a:r>
-            <a:r>
-              <a:rPr lang="en-US" altLang="zh-TW" sz="2800" b="1" dirty="0" smtClean="0">
-                <a:solidFill>
-                  <a:srgbClr val="FF0000"/>
-                </a:solidFill>
-                <a:latin typeface="Times New Roman" panose="02020603050405020304" pitchFamily="18" charset="0"/>
-                <a:cs typeface="Times New Roman" panose="02020603050405020304" pitchFamily="18" charset="0"/>
-              </a:rPr>
-              <a:t>to </a:t>
-            </a:r>
-            <a:r>
-              <a:rPr lang="en-US" altLang="zh-TW" sz="2800" b="1" dirty="0" smtClean="0">
-                <a:solidFill>
-                  <a:srgbClr val="FF0000"/>
-                </a:solidFill>
-                <a:latin typeface="Times New Roman" panose="02020603050405020304" pitchFamily="18" charset="0"/>
-                <a:cs typeface="Times New Roman" panose="02020603050405020304" pitchFamily="18" charset="0"/>
-              </a:rPr>
-              <a:t>rise</a:t>
+              <a:t>Tide about to rise</a:t>
             </a:r>
             <a:endParaRPr lang="zh-TW" altLang="en-US" sz="2800" b="1" dirty="0">
               <a:solidFill>
@@ -14611,11 +14575,11 @@
   <p:clrMapOvr>
     <a:overrideClrMapping bg1="lt1" tx1="dk1" bg2="lt2" tx2="dk2" accent1="accent1" accent2="accent2" accent3="accent3" accent4="accent4" accent5="accent5" accent6="accent6" hlink="hlink" folHlink="folHlink"/>
   </p:clrMapOvr>
-  <mc:AlternateContent xmlns:mc="http://schemas.openxmlformats.org/markup-compatibility/2006">
-    <mc:Choice xmlns:p14="http://schemas.microsoft.com/office/powerpoint/2010/main" Requires="p14">
+  <mc:AlternateContent xmlns:mc="http://schemas.openxmlformats.org/markup-compatibility/2006" xmlns:p14="http://schemas.microsoft.com/office/powerpoint/2010/main">
+    <mc:Choice Requires="p14">
       <p:transition spd="slow" p14:dur="2000"/>
     </mc:Choice>
-    <mc:Fallback>
+    <mc:Fallback xmlns="">
       <p:transition spd="slow"/>
     </mc:Fallback>
   </mc:AlternateContent>
@@ -15212,8 +15176,8 @@
           </a:p>
         </p:txBody>
       </p:sp>
-      <mc:AlternateContent xmlns:mc="http://schemas.openxmlformats.org/markup-compatibility/2006">
-        <mc:Choice xmlns:a14="http://schemas.microsoft.com/office/drawing/2010/main" Requires="a14">
+      <mc:AlternateContent xmlns:mc="http://schemas.openxmlformats.org/markup-compatibility/2006" xmlns:a14="http://schemas.microsoft.com/office/drawing/2010/main">
+        <mc:Choice Requires="a14">
           <p:sp>
             <p:nvSpPr>
               <p:cNvPr id="14" name="文字方塊 13"/>
@@ -15356,7 +15320,7 @@
             </p:txBody>
           </p:sp>
         </mc:Choice>
-        <mc:Fallback>
+        <mc:Fallback xmlns="">
           <p:sp>
             <p:nvSpPr>
               <p:cNvPr id="14" name="文字方塊 13"/>
@@ -15613,35 +15577,22 @@
                   <a:srgbClr val="002060"/>
                 </a:solidFill>
               </a:rPr>
-              <a:t>Science </a:t>
-            </a:r>
+              <a:t>Science Knowledge</a:t>
+            </a:r>
+          </a:p>
+          <a:p>
+            <a:pPr marL="285750" indent="-285750">
+              <a:buFont typeface="Arial" panose="020B0604020202020204" pitchFamily="34" charset="0"/>
+              <a:buChar char="•"/>
+            </a:pPr>
             <a:r>
               <a:rPr lang="en-US" altLang="zh-TW" sz="2400" dirty="0" smtClean="0">
                 <a:solidFill>
                   <a:srgbClr val="002060"/>
                 </a:solidFill>
               </a:rPr>
-              <a:t>Knowledge</a:t>
-            </a:r>
-          </a:p>
-          <a:p>
-            <a:pPr marL="285750" indent="-285750">
-              <a:buFont typeface="Arial" panose="020B0604020202020204" pitchFamily="34" charset="0"/>
-              <a:buChar char="•"/>
-            </a:pPr>
-            <a:r>
-              <a:rPr lang="en-US" altLang="zh-TW" sz="2400" dirty="0" smtClean="0">
-                <a:solidFill>
-                  <a:srgbClr val="002060"/>
-                </a:solidFill>
-              </a:rPr>
               <a:t>Short Reminder</a:t>
             </a:r>
-            <a:endParaRPr lang="en-US" altLang="zh-TW" sz="2400" dirty="0" smtClean="0">
-              <a:solidFill>
-                <a:srgbClr val="002060"/>
-              </a:solidFill>
-            </a:endParaRPr>
           </a:p>
           <a:p>
             <a:pPr marL="285750" indent="-285750">
@@ -15837,7 +15788,7 @@
                             </p:stCondLst>
                             <p:childTnLst>
                               <p:par>
-                                <p:cTn id="5" presetID="10" presetClass="entr" presetSubtype="0" fill="hold" nodeType="clickEffect">
+                                <p:cTn id="5" presetID="10" presetClass="entr" presetSubtype="0" fill="hold" grpId="0" nodeType="clickEffect">
                                   <p:stCondLst>
                                     <p:cond delay="0"/>
                                   </p:stCondLst>
@@ -15850,7 +15801,7 @@
                                           </p:stCondLst>
                                         </p:cTn>
                                         <p:tgtEl>
-                                          <p:spTgt spid="11"/>
+                                          <p:spTgt spid="14"/>
                                         </p:tgtEl>
                                         <p:attrNameLst>
                                           <p:attrName>style.visibility</p:attrName>
@@ -15864,7 +15815,7 @@
                                       <p:cBhvr>
                                         <p:cTn id="7" dur="500"/>
                                         <p:tgtEl>
-                                          <p:spTgt spid="11"/>
+                                          <p:spTgt spid="14"/>
                                         </p:tgtEl>
                                       </p:cBhvr>
                                     </p:animEffect>
@@ -15903,7 +15854,7 @@
                                           </p:stCondLst>
                                         </p:cTn>
                                         <p:tgtEl>
-                                          <p:spTgt spid="14"/>
+                                          <p:spTgt spid="19"/>
                                         </p:tgtEl>
                                         <p:attrNameLst>
                                           <p:attrName>style.visibility</p:attrName>
@@ -15917,59 +15868,6 @@
                                       <p:cBhvr>
                                         <p:cTn id="12" dur="500"/>
                                         <p:tgtEl>
-                                          <p:spTgt spid="14"/>
-                                        </p:tgtEl>
-                                      </p:cBhvr>
-                                    </p:animEffect>
-                                  </p:childTnLst>
-                                </p:cTn>
-                              </p:par>
-                            </p:childTnLst>
-                          </p:cTn>
-                        </p:par>
-                      </p:childTnLst>
-                    </p:cTn>
-                  </p:par>
-                  <p:par>
-                    <p:cTn id="13" fill="hold">
-                      <p:stCondLst>
-                        <p:cond delay="indefinite"/>
-                      </p:stCondLst>
-                      <p:childTnLst>
-                        <p:par>
-                          <p:cTn id="14" fill="hold">
-                            <p:stCondLst>
-                              <p:cond delay="0"/>
-                            </p:stCondLst>
-                            <p:childTnLst>
-                              <p:par>
-                                <p:cTn id="15" presetID="10" presetClass="entr" presetSubtype="0" fill="hold" grpId="0" nodeType="clickEffect">
-                                  <p:stCondLst>
-                                    <p:cond delay="0"/>
-                                  </p:stCondLst>
-                                  <p:childTnLst>
-                                    <p:set>
-                                      <p:cBhvr>
-                                        <p:cTn id="16" dur="1" fill="hold">
-                                          <p:stCondLst>
-                                            <p:cond delay="0"/>
-                                          </p:stCondLst>
-                                        </p:cTn>
-                                        <p:tgtEl>
-                                          <p:spTgt spid="19"/>
-                                        </p:tgtEl>
-                                        <p:attrNameLst>
-                                          <p:attrName>style.visibility</p:attrName>
-                                        </p:attrNameLst>
-                                      </p:cBhvr>
-                                      <p:to>
-                                        <p:strVal val="visible"/>
-                                      </p:to>
-                                    </p:set>
-                                    <p:animEffect transition="in" filter="fade">
-                                      <p:cBhvr>
-                                        <p:cTn id="17" dur="500"/>
-                                        <p:tgtEl>
                                           <p:spTgt spid="19"/>
                                         </p:tgtEl>
                                       </p:cBhvr>
@@ -15978,14 +15876,14 @@
                                 </p:cTn>
                               </p:par>
                               <p:par>
-                                <p:cTn id="18" presetID="10" presetClass="entr" presetSubtype="0" fill="hold" grpId="0" nodeType="withEffect">
+                                <p:cTn id="13" presetID="10" presetClass="entr" presetSubtype="0" fill="hold" grpId="0" nodeType="withEffect">
                                   <p:stCondLst>
                                     <p:cond delay="0"/>
                                   </p:stCondLst>
                                   <p:childTnLst>
                                     <p:set>
                                       <p:cBhvr>
-                                        <p:cTn id="19" dur="1" fill="hold">
+                                        <p:cTn id="14" dur="1" fill="hold">
                                           <p:stCondLst>
                                             <p:cond delay="0"/>
                                           </p:stCondLst>
@@ -16003,7 +15901,7 @@
                                     </p:set>
                                     <p:animEffect transition="in" filter="fade">
                                       <p:cBhvr>
-                                        <p:cTn id="20" dur="500"/>
+                                        <p:cTn id="15" dur="500"/>
                                         <p:tgtEl>
                                           <p:spTgt spid="18"/>
                                         </p:tgtEl>
@@ -16019,26 +15917,26 @@
                     </p:cTn>
                   </p:par>
                   <p:par>
-                    <p:cTn id="21" fill="hold">
+                    <p:cTn id="16" fill="hold">
                       <p:stCondLst>
                         <p:cond delay="indefinite"/>
                       </p:stCondLst>
                       <p:childTnLst>
                         <p:par>
-                          <p:cTn id="22" fill="hold">
+                          <p:cTn id="17" fill="hold">
                             <p:stCondLst>
                               <p:cond delay="0"/>
                             </p:stCondLst>
                             <p:childTnLst>
                               <p:par>
-                                <p:cTn id="23" presetID="10" presetClass="entr" presetSubtype="0" fill="hold" grpId="0" nodeType="clickEffect">
+                                <p:cTn id="18" presetID="10" presetClass="entr" presetSubtype="0" fill="hold" grpId="0" nodeType="clickEffect">
                                   <p:stCondLst>
                                     <p:cond delay="0"/>
                                   </p:stCondLst>
                                   <p:childTnLst>
                                     <p:set>
                                       <p:cBhvr>
-                                        <p:cTn id="24" dur="1" fill="hold">
+                                        <p:cTn id="19" dur="1" fill="hold">
                                           <p:stCondLst>
                                             <p:cond delay="0"/>
                                           </p:stCondLst>
@@ -16056,7 +15954,7 @@
                                     </p:set>
                                     <p:animEffect transition="in" filter="fade">
                                       <p:cBhvr>
-                                        <p:cTn id="25" dur="500"/>
+                                        <p:cTn id="20" dur="500"/>
                                         <p:tgtEl>
                                           <p:spTgt spid="5"/>
                                         </p:tgtEl>
@@ -16066,14 +15964,14 @@
                                 </p:cTn>
                               </p:par>
                               <p:par>
-                                <p:cTn id="26" presetID="10" presetClass="entr" presetSubtype="0" fill="hold" grpId="0" nodeType="withEffect">
+                                <p:cTn id="21" presetID="10" presetClass="entr" presetSubtype="0" fill="hold" grpId="0" nodeType="withEffect">
                                   <p:stCondLst>
                                     <p:cond delay="0"/>
                                   </p:stCondLst>
                                   <p:childTnLst>
                                     <p:set>
                                       <p:cBhvr>
-                                        <p:cTn id="27" dur="1" fill="hold">
+                                        <p:cTn id="22" dur="1" fill="hold">
                                           <p:stCondLst>
                                             <p:cond delay="0"/>
                                           </p:stCondLst>
@@ -16091,7 +15989,7 @@
                                     </p:set>
                                     <p:animEffect transition="in" filter="fade">
                                       <p:cBhvr>
-                                        <p:cTn id="28" dur="500"/>
+                                        <p:cTn id="23" dur="500"/>
                                         <p:tgtEl>
                                           <p:spTgt spid="6"/>
                                         </p:tgtEl>
@@ -16181,13 +16079,7 @@
               <a:rPr lang="en-US" altLang="zh-TW" sz="5400" dirty="0" smtClean="0">
                 <a:latin typeface="Comic Sans MS" panose="030F0702030302020204" pitchFamily="66" charset="0"/>
               </a:rPr>
-              <a:t>User</a:t>
-            </a:r>
-            <a:r>
-              <a:rPr lang="en-US" altLang="zh-TW" sz="5400" dirty="0" smtClean="0">
-                <a:latin typeface="Comic Sans MS" panose="030F0702030302020204" pitchFamily="66" charset="0"/>
-              </a:rPr>
-              <a:t> Interface</a:t>
+              <a:t>User Interface</a:t>
             </a:r>
             <a:endParaRPr lang="zh-TW" altLang="en-US" sz="5400" dirty="0">
               <a:latin typeface="Comic Sans MS" panose="030F0702030302020204" pitchFamily="66" charset="0"/>
@@ -16281,7 +16173,6 @@
               <a:rPr lang="en-US" altLang="zh-TW" sz="2000" b="1" dirty="0" smtClean="0"/>
               <a:t>Location Identification</a:t>
             </a:r>
-            <a:endParaRPr lang="en-US" altLang="zh-TW" sz="2000" b="1" dirty="0" smtClean="0"/>
           </a:p>
         </p:txBody>
       </p:sp>
@@ -16312,7 +16203,6 @@
               <a:rPr lang="en-US" altLang="zh-TW" sz="2000" b="1" dirty="0" smtClean="0"/>
               <a:t>Suggestions &amp; Reminders</a:t>
             </a:r>
-            <a:endParaRPr lang="en-US" altLang="zh-TW" sz="2000" b="1" dirty="0" smtClean="0"/>
           </a:p>
         </p:txBody>
       </p:sp>
@@ -16343,7 +16233,6 @@
               <a:rPr lang="en-US" altLang="zh-TW" sz="2000" b="1" dirty="0" smtClean="0"/>
               <a:t>Science Knowledge</a:t>
             </a:r>
-            <a:endParaRPr lang="en-US" altLang="zh-TW" sz="2000" b="1" dirty="0" smtClean="0"/>
           </a:p>
         </p:txBody>
       </p:sp>
@@ -16953,8 +16842,8 @@
           </a:p>
         </p:txBody>
       </p:sp>
-      <mc:AlternateContent xmlns:mc="http://schemas.openxmlformats.org/markup-compatibility/2006">
-        <mc:Choice xmlns:a14="http://schemas.microsoft.com/office/drawing/2010/main" Requires="a14">
+      <mc:AlternateContent xmlns:mc="http://schemas.openxmlformats.org/markup-compatibility/2006" xmlns:a14="http://schemas.microsoft.com/office/drawing/2010/main">
+        <mc:Choice Requires="a14">
           <p:sp>
             <p:nvSpPr>
               <p:cNvPr id="5" name="文字方塊 4"/>
@@ -16977,6 +16866,7 @@
               </a:bodyPr>
               <a:lstStyle/>
               <a:p>
+                <a:pPr/>
                 <a14:m>
                   <m:oMathPara xmlns:m="http://schemas.openxmlformats.org/officeDocument/2006/math">
                     <m:oMathParaPr>
@@ -17137,7 +17027,7 @@
             </p:txBody>
           </p:sp>
         </mc:Choice>
-        <mc:Fallback>
+        <mc:Fallback xmlns="">
           <p:sp>
             <p:nvSpPr>
               <p:cNvPr id="5" name="文字方塊 4"/>
@@ -17198,8 +17088,8 @@
           </a:graphicData>
         </a:graphic>
       </p:graphicFrame>
-      <mc:AlternateContent xmlns:mc="http://schemas.openxmlformats.org/markup-compatibility/2006">
-        <mc:Choice xmlns:a14="http://schemas.microsoft.com/office/drawing/2010/main" Requires="a14">
+      <mc:AlternateContent xmlns:mc="http://schemas.openxmlformats.org/markup-compatibility/2006" xmlns:a14="http://schemas.microsoft.com/office/drawing/2010/main">
+        <mc:Choice Requires="a14">
           <p:sp>
             <p:nvSpPr>
               <p:cNvPr id="6" name="文字方塊 5"/>
@@ -17342,7 +17232,7 @@
             </p:txBody>
           </p:sp>
         </mc:Choice>
-        <mc:Fallback>
+        <mc:Fallback xmlns="">
           <p:sp>
             <p:nvSpPr>
               <p:cNvPr id="6" name="文字方塊 5"/>
@@ -17403,8 +17293,8 @@
           </a:graphicData>
         </a:graphic>
       </p:graphicFrame>
-      <mc:AlternateContent xmlns:mc="http://schemas.openxmlformats.org/markup-compatibility/2006">
-        <mc:Choice xmlns:a14="http://schemas.microsoft.com/office/drawing/2010/main" Requires="a14">
+      <mc:AlternateContent xmlns:mc="http://schemas.openxmlformats.org/markup-compatibility/2006" xmlns:a14="http://schemas.microsoft.com/office/drawing/2010/main">
+        <mc:Choice Requires="a14">
           <p:sp>
             <p:nvSpPr>
               <p:cNvPr id="8" name="文字方塊 7"/>
@@ -17493,7 +17383,7 @@
             </p:txBody>
           </p:sp>
         </mc:Choice>
-        <mc:Fallback>
+        <mc:Fallback xmlns="">
           <p:sp>
             <p:nvSpPr>
               <p:cNvPr id="8" name="文字方塊 7"/>
@@ -17532,8 +17422,8 @@
           </p:sp>
         </mc:Fallback>
       </mc:AlternateContent>
-      <mc:AlternateContent xmlns:mc="http://schemas.openxmlformats.org/markup-compatibility/2006">
-        <mc:Choice xmlns:a14="http://schemas.microsoft.com/office/drawing/2010/main" Requires="a14">
+      <mc:AlternateContent xmlns:mc="http://schemas.openxmlformats.org/markup-compatibility/2006" xmlns:a14="http://schemas.microsoft.com/office/drawing/2010/main">
+        <mc:Choice Requires="a14">
           <p:sp>
             <p:nvSpPr>
               <p:cNvPr id="10" name="文字方塊 9"/>
@@ -17587,7 +17477,7 @@
             </p:txBody>
           </p:sp>
         </mc:Choice>
-        <mc:Fallback>
+        <mc:Fallback xmlns="">
           <p:sp>
             <p:nvSpPr>
               <p:cNvPr id="10" name="文字方塊 9"/>
@@ -17626,8 +17516,8 @@
           </p:sp>
         </mc:Fallback>
       </mc:AlternateContent>
-      <mc:AlternateContent xmlns:mc="http://schemas.openxmlformats.org/markup-compatibility/2006">
-        <mc:Choice xmlns:a14="http://schemas.microsoft.com/office/drawing/2010/main" Requires="a14">
+      <mc:AlternateContent xmlns:mc="http://schemas.openxmlformats.org/markup-compatibility/2006" xmlns:a14="http://schemas.microsoft.com/office/drawing/2010/main">
+        <mc:Choice Requires="a14">
           <p:sp>
             <p:nvSpPr>
               <p:cNvPr id="11" name="文字方塊 10"/>
@@ -17746,7 +17636,7 @@
             </p:txBody>
           </p:sp>
         </mc:Choice>
-        <mc:Fallback>
+        <mc:Fallback xmlns="">
           <p:sp>
             <p:nvSpPr>
               <p:cNvPr id="11" name="文字方塊 10"/>
@@ -17785,8 +17675,8 @@
           </p:sp>
         </mc:Fallback>
       </mc:AlternateContent>
-      <mc:AlternateContent xmlns:mc="http://schemas.openxmlformats.org/markup-compatibility/2006">
-        <mc:Choice xmlns:a14="http://schemas.microsoft.com/office/drawing/2010/main" Requires="a14">
+      <mc:AlternateContent xmlns:mc="http://schemas.openxmlformats.org/markup-compatibility/2006" xmlns:a14="http://schemas.microsoft.com/office/drawing/2010/main">
+        <mc:Choice Requires="a14">
           <p:sp>
             <p:nvSpPr>
               <p:cNvPr id="13" name="文字方塊 12"/>
@@ -17982,7 +17872,7 @@
             </p:txBody>
           </p:sp>
         </mc:Choice>
-        <mc:Fallback>
+        <mc:Fallback xmlns="">
           <p:sp>
             <p:nvSpPr>
               <p:cNvPr id="13" name="文字方塊 12"/>
